--- a/outputs/Inspection_Plan_MLK_PMT_10103_-_V-003.pptx
+++ b/outputs/Inspection_Plan_MLK_PMT_10103_-_V-003.pptx
@@ -10077,7 +10077,7 @@
                         </a:defRPr>
                       </a:pPr>
                       <a:r>
-                        <a:t>SHELL &amp; DISHED END</a:t>
+                        <a:t>Shell &amp; Dished End</a:t>
                       </a:r>
                     </a:p>
                   </a:txBody>
@@ -10455,7 +10455,7 @@
                         </a:defRPr>
                       </a:pPr>
                       <a:r>
-                        <a:t>1,000 kPag</a:t>
+                        <a:t>1,000 kPaG</a:t>
                       </a:r>
                     </a:p>
                   </a:txBody>
@@ -10704,7 +10704,7 @@
                         </a:defRPr>
                       </a:pPr>
                       <a:r>
-                        <a:t>FLANGE, MANHOLE FLANGE AND COVER</a:t>
+                        <a:t>Flange, Manhole Flange and Cover</a:t>
                       </a:r>
                     </a:p>
                   </a:txBody>
@@ -11082,7 +11082,7 @@
                         </a:defRPr>
                       </a:pPr>
                       <a:r>
-                        <a:t>1,000 kPag</a:t>
+                        <a:t>1,000 kPaG</a:t>
                       </a:r>
                     </a:p>
                   </a:txBody>
@@ -11217,7 +11217,7 @@
                         </a:defRPr>
                       </a:pPr>
                       <a:r>
-                        <a:t>PIPE</a:t>
+                        <a:t>Pipe</a:t>
                       </a:r>
                     </a:p>
                   </a:txBody>
@@ -11595,7 +11595,7 @@
                         </a:defRPr>
                       </a:pPr>
                       <a:r>
-                        <a:t>1,000 kPag</a:t>
+                        <a:t>1,000 kPaG</a:t>
                       </a:r>
                     </a:p>
                   </a:txBody>
@@ -11730,7 +11730,7 @@
                         </a:defRPr>
                       </a:pPr>
                       <a:r>
-                        <a:t>SOCKET</a:t>
+                        <a:t>Socket</a:t>
                       </a:r>
                     </a:p>
                   </a:txBody>
@@ -12108,7 +12108,7 @@
                         </a:defRPr>
                       </a:pPr>
                       <a:r>
-                        <a:t>1,000 kPag</a:t>
+                        <a:t>1,000 kPaG</a:t>
                       </a:r>
                     </a:p>
                   </a:txBody>
@@ -12239,7 +12239,7 @@
                         </a:defRPr>
                       </a:pPr>
                       <a:r>
-                        <a:t>REINFORCED PLATE</a:t>
+                        <a:t>Reinforced Plate</a:t>
                       </a:r>
                     </a:p>
                   </a:txBody>
@@ -12617,7 +12617,7 @@
                         </a:defRPr>
                       </a:pPr>
                       <a:r>
-                        <a:t>1,000 kPag</a:t>
+                        <a:t>1,000 kPaG</a:t>
                       </a:r>
                     </a:p>
                   </a:txBody>
@@ -13607,9 +13607,6 @@
                 <a:latin typeface="Times New Roman"/>
               </a:defRPr>
             </a:pPr>
-            <a:r>
-              <a:t>Air Receiver</a:t>
-            </a:r>
           </a:p>
         </p:txBody>
       </p:sp>
@@ -13654,7 +13651,7 @@
         </p:nvSpPr>
         <p:spPr>
           <a:xfrm>
-            <a:off x="7772400" y="502920"/>
+            <a:off x="7406640" y="502920"/>
             <a:ext cx="1645920" cy="365760"/>
           </a:xfrm>
           <a:prstGeom prst="rect">
@@ -13699,7 +13696,7 @@
       <p:grpSpPr/>
       <p:pic>
         <p:nvPicPr>
-          <p:cNvPr id="2" name="Picture 1" descr="tmpr05mrc80.jpg"/>
+          <p:cNvPr id="2" name="Picture 1" descr="tmpe_di_21a.jpg"/>
           <p:cNvPicPr>
             <a:picLocks noChangeAspect="1"/>
           </p:cNvPicPr>
